--- a/21551058常惠源/第一次读书报告/读书报告_常惠源.pptx
+++ b/21551058常惠源/第一次读书报告/读书报告_常惠源.pptx
@@ -12,8 +12,8 @@
     <p:sldId id="260" r:id="rId3"/>
     <p:sldId id="257" r:id="rId4"/>
     <p:sldId id="258" r:id="rId5"/>
-    <p:sldId id="261" r:id="rId6"/>
-    <p:sldId id="272" r:id="rId7"/>
+    <p:sldId id="272" r:id="rId6"/>
+    <p:sldId id="261" r:id="rId7"/>
     <p:sldId id="265" r:id="rId8"/>
     <p:sldId id="266" r:id="rId9"/>
     <p:sldId id="267" r:id="rId10"/>
@@ -778,6 +778,90 @@
           <a:bodyPr/>
           <a:lstStyle/>
           <a:p>
+            <a:endParaRPr lang="en-US" dirty="0"/>
+          </a:p>
+        </p:txBody>
+      </p:sp>
+      <p:sp>
+        <p:nvSpPr>
+          <p:cNvPr id="4" name="Slide Number Placeholder 3"/>
+          <p:cNvSpPr>
+            <a:spLocks noGrp="1"/>
+          </p:cNvSpPr>
+          <p:nvPr>
+            <p:ph type="sldNum" sz="quarter" idx="10"/>
+          </p:nvPr>
+        </p:nvSpPr>
+        <p:spPr/>
+        <p:txBody>
+          <a:bodyPr/>
+          <a:lstStyle/>
+          <a:p>
+            <a:fld id="{83BFAB3F-55BE-0543-ADC1-82D02D35F2C8}" type="slidenum">
+              <a:rPr lang="en-US" smtClean="0"/>
+              <a:t>5</a:t>
+            </a:fld>
+            <a:endParaRPr lang="en-US"/>
+          </a:p>
+        </p:txBody>
+      </p:sp>
+    </p:spTree>
+    <p:extLst>
+      <p:ext uri="{BB962C8B-B14F-4D97-AF65-F5344CB8AC3E}">
+        <p14:creationId xmlns:p14="http://schemas.microsoft.com/office/powerpoint/2010/main" val="537176758"/>
+      </p:ext>
+    </p:extLst>
+  </p:cSld>
+  <p:clrMapOvr>
+    <a:masterClrMapping/>
+  </p:clrMapOvr>
+</p:notes>
+</file>
+
+<file path=ppt/notesSlides/notesSlide3.xml><?xml version="1.0" encoding="utf-8"?>
+<p:notes xmlns:a="http://schemas.openxmlformats.org/drawingml/2006/main" xmlns:r="http://schemas.openxmlformats.org/officeDocument/2006/relationships" xmlns:p="http://schemas.openxmlformats.org/presentationml/2006/main">
+  <p:cSld>
+    <p:spTree>
+      <p:nvGrpSpPr>
+        <p:cNvPr id="1" name=""/>
+        <p:cNvGrpSpPr/>
+        <p:nvPr/>
+      </p:nvGrpSpPr>
+      <p:grpSpPr>
+        <a:xfrm>
+          <a:off x="0" y="0"/>
+          <a:ext cx="0" cy="0"/>
+          <a:chOff x="0" y="0"/>
+          <a:chExt cx="0" cy="0"/>
+        </a:xfrm>
+      </p:grpSpPr>
+      <p:sp>
+        <p:nvSpPr>
+          <p:cNvPr id="2" name="Slide Image Placeholder 1"/>
+          <p:cNvSpPr>
+            <a:spLocks noGrp="1" noRot="1" noChangeAspect="1"/>
+          </p:cNvSpPr>
+          <p:nvPr>
+            <p:ph type="sldImg"/>
+          </p:nvPr>
+        </p:nvSpPr>
+        <p:spPr/>
+      </p:sp>
+      <p:sp>
+        <p:nvSpPr>
+          <p:cNvPr id="3" name="Notes Placeholder 2"/>
+          <p:cNvSpPr>
+            <a:spLocks noGrp="1"/>
+          </p:cNvSpPr>
+          <p:nvPr>
+            <p:ph type="body" idx="1"/>
+          </p:nvPr>
+        </p:nvSpPr>
+        <p:spPr/>
+        <p:txBody>
+          <a:bodyPr/>
+          <a:lstStyle/>
+          <a:p>
             <a:r>
               <a:rPr lang="en-US" sz="1200" kern="1200" dirty="0" smtClean="0">
                 <a:solidFill>
@@ -832,6 +916,110 @@
               </a:rPr>
               <a:t>pose estimation. </a:t>
             </a:r>
+          </a:p>
+          <a:p>
+            <a:pPr marL="0" marR="0" indent="0" algn="l" defTabSz="914400" rtl="0" eaLnBrk="1" fontAlgn="auto" latinLnBrk="0" hangingPunct="1">
+              <a:lnSpc>
+                <a:spcPct val="100000"/>
+              </a:lnSpc>
+              <a:spcBef>
+                <a:spcPts val="0"/>
+              </a:spcBef>
+              <a:spcAft>
+                <a:spcPts val="0"/>
+              </a:spcAft>
+              <a:buClrTx/>
+              <a:buSzTx/>
+              <a:buFontTx/>
+              <a:buNone/>
+              <a:tabLst/>
+              <a:defRPr/>
+            </a:pPr>
+            <a:r>
+              <a:rPr lang="zh-CN" altLang="en-US" sz="1200" b="0" i="0" kern="1200" dirty="0" smtClean="0">
+                <a:solidFill>
+                  <a:schemeClr val="tx1"/>
+                </a:solidFill>
+                <a:effectLst/>
+                <a:latin typeface="+mn-lt"/>
+                <a:ea typeface="+mn-ea"/>
+                <a:cs typeface="+mn-cs"/>
+              </a:rPr>
+              <a:t>特征点检测的一种方法</a:t>
+            </a:r>
+            <a:r>
+              <a:rPr lang="en-US" altLang="zh-CN" sz="1200" b="0" i="0" kern="1200" dirty="0" smtClean="0">
+                <a:solidFill>
+                  <a:schemeClr val="tx1"/>
+                </a:solidFill>
+                <a:effectLst/>
+                <a:latin typeface="+mn-lt"/>
+                <a:ea typeface="+mn-ea"/>
+                <a:cs typeface="+mn-cs"/>
+              </a:rPr>
+              <a:t>——FAST</a:t>
+            </a:r>
+            <a:r>
+              <a:rPr lang="zh-CN" altLang="en-US" sz="1200" b="0" i="0" kern="1200" dirty="0" smtClean="0">
+                <a:solidFill>
+                  <a:schemeClr val="tx1"/>
+                </a:solidFill>
+                <a:effectLst/>
+                <a:latin typeface="+mn-lt"/>
+                <a:ea typeface="+mn-ea"/>
+                <a:cs typeface="+mn-cs"/>
+              </a:rPr>
+              <a:t>（</a:t>
+            </a:r>
+            <a:r>
+              <a:rPr lang="en-US" altLang="zh-CN" sz="1200" b="0" i="0" kern="1200" dirty="0" smtClean="0">
+                <a:solidFill>
+                  <a:schemeClr val="tx1"/>
+                </a:solidFill>
+                <a:effectLst/>
+                <a:latin typeface="+mn-lt"/>
+                <a:ea typeface="+mn-ea"/>
+                <a:cs typeface="+mn-cs"/>
+              </a:rPr>
+              <a:t>features from accelerated segment test</a:t>
+            </a:r>
+            <a:r>
+              <a:rPr lang="zh-CN" altLang="en-US" sz="1200" b="0" i="0" kern="1200" dirty="0" smtClean="0">
+                <a:solidFill>
+                  <a:schemeClr val="tx1"/>
+                </a:solidFill>
+                <a:effectLst/>
+                <a:latin typeface="+mn-lt"/>
+                <a:ea typeface="+mn-ea"/>
+                <a:cs typeface="+mn-cs"/>
+              </a:rPr>
+              <a:t>）。很多传统的算法都很耗时，而且特征点检测算法只是很多复杂图像处理里中的第一步，得不偿失。</a:t>
+            </a:r>
+            <a:r>
+              <a:rPr lang="en-US" altLang="zh-CN" sz="1200" b="0" i="0" kern="1200" dirty="0" smtClean="0">
+                <a:solidFill>
+                  <a:schemeClr val="tx1"/>
+                </a:solidFill>
+                <a:effectLst/>
+                <a:latin typeface="+mn-lt"/>
+                <a:ea typeface="+mn-ea"/>
+                <a:cs typeface="+mn-cs"/>
+              </a:rPr>
+              <a:t>FAST</a:t>
+            </a:r>
+            <a:r>
+              <a:rPr lang="zh-CN" altLang="en-US" sz="1200" b="0" i="0" kern="1200" dirty="0" smtClean="0">
+                <a:solidFill>
+                  <a:schemeClr val="tx1"/>
+                </a:solidFill>
+                <a:effectLst/>
+                <a:latin typeface="+mn-lt"/>
+                <a:ea typeface="+mn-ea"/>
+                <a:cs typeface="+mn-cs"/>
+              </a:rPr>
+              <a:t>特征点检测是公认的比较快速的特征点检测方法，只利用周围像素比较的信息就可以得到特征点，简单，有效。</a:t>
+            </a:r>
+            <a:endParaRPr lang="en-US" dirty="0" smtClean="0"/>
           </a:p>
           <a:p>
             <a:endParaRPr lang="en-US" dirty="0"/>
@@ -874,7 +1062,7 @@
 </p:notes>
 </file>
 
-<file path=ppt/notesSlides/notesSlide3.xml><?xml version="1.0" encoding="utf-8"?>
+<file path=ppt/notesSlides/notesSlide4.xml><?xml version="1.0" encoding="utf-8"?>
 <p:notes xmlns:a="http://schemas.openxmlformats.org/drawingml/2006/main" xmlns:r="http://schemas.openxmlformats.org/officeDocument/2006/relationships" xmlns:p="http://schemas.openxmlformats.org/presentationml/2006/main">
   <p:cSld>
     <p:spTree>
@@ -4633,11 +4821,7 @@
           <a:p>
             <a:r>
               <a:rPr lang="en-US" altLang="zh-TW" dirty="0" smtClean="0"/>
-              <a:t>Real-Time Detection and Tracking for Augmented Reality on Mobile </a:t>
-            </a:r>
-            <a:r>
-              <a:rPr lang="en-US" altLang="zh-TW" dirty="0" smtClean="0"/>
-              <a:t>Phones</a:t>
+              <a:t>Real-Time Detection and Tracking for Augmented Reality on Mobile Phones</a:t>
             </a:r>
             <a:br>
               <a:rPr lang="en-US" altLang="zh-TW" dirty="0" smtClean="0"/>
@@ -5041,6 +5225,13 @@
   <p:clrMapOvr>
     <a:masterClrMapping/>
   </p:clrMapOvr>
+  <p:timing>
+    <p:tnLst>
+      <p:par>
+        <p:cTn id="1" dur="indefinite" restart="never" nodeType="tmRoot"/>
+      </p:par>
+    </p:tnLst>
+  </p:timing>
 </p:sld>
 </file>
 
@@ -5187,11 +5378,13 @@
         <p:spPr>
           <a:xfrm>
             <a:off x="467544" y="3212976"/>
-            <a:ext cx="8229600" cy="648072"/>
+            <a:ext cx="8229600" cy="1440160"/>
           </a:xfrm>
         </p:spPr>
         <p:txBody>
-          <a:bodyPr/>
+          <a:bodyPr>
+            <a:normAutofit/>
+          </a:bodyPr>
           <a:lstStyle/>
           <a:p>
             <a:pPr algn="ctr">
@@ -5199,7 +5392,28 @@
             </a:pPr>
             <a:r>
               <a:rPr lang="en-US" altLang="zh-TW" dirty="0" smtClean="0"/>
-              <a:t>Thank you for listening</a:t>
+              <a:t>Thank </a:t>
+            </a:r>
+            <a:r>
+              <a:rPr lang="en-US" altLang="zh-TW" dirty="0" smtClean="0"/>
+              <a:t>you</a:t>
+            </a:r>
+          </a:p>
+          <a:p>
+            <a:pPr algn="ctr">
+              <a:buNone/>
+            </a:pPr>
+            <a:r>
+              <a:rPr lang="en-US" altLang="zh-CN" dirty="0" err="1" smtClean="0"/>
+              <a:t>Huiyuan</a:t>
+            </a:r>
+            <a:r>
+              <a:rPr lang="zh-CN" altLang="en-US" dirty="0" smtClean="0"/>
+              <a:t> </a:t>
+            </a:r>
+            <a:r>
+              <a:rPr lang="en-US" altLang="zh-CN" dirty="0" smtClean="0"/>
+              <a:t>Chang</a:t>
             </a:r>
             <a:endParaRPr lang="zh-TW" altLang="en-US" dirty="0"/>
           </a:p>
@@ -5210,6 +5424,13 @@
   <p:clrMapOvr>
     <a:masterClrMapping/>
   </p:clrMapOvr>
+  <p:timing>
+    <p:tnLst>
+      <p:par>
+        <p:cTn id="1" dur="indefinite" restart="never" nodeType="tmRoot"/>
+      </p:par>
+    </p:tnLst>
+  </p:timing>
 </p:sld>
 </file>
 
@@ -5556,7 +5777,6 @@
               <a:rPr lang="en-US" altLang="zh-TW" dirty="0" smtClean="0"/>
               <a:t>Ferns </a:t>
             </a:r>
-            <a:endParaRPr lang="en-US" altLang="zh-TW" dirty="0" smtClean="0"/>
           </a:p>
           <a:p>
             <a:pPr marL="514350" indent="-514350">
@@ -5565,11 +5785,7 @@
             </a:pPr>
             <a:r>
               <a:rPr lang="en-US" altLang="zh-TW" dirty="0" smtClean="0"/>
-              <a:t>Both </a:t>
-            </a:r>
-            <a:r>
-              <a:rPr lang="en-US" altLang="zh-TW" dirty="0" smtClean="0"/>
-              <a:t>are accurate but not fast enough for phones</a:t>
+              <a:t>Both are accurate but not fast enough for phones</a:t>
             </a:r>
           </a:p>
           <a:p>
@@ -5615,6 +5831,13 @@
   <p:clrMapOvr>
     <a:masterClrMapping/>
   </p:clrMapOvr>
+  <p:timing>
+    <p:tnLst>
+      <p:par>
+        <p:cTn id="1" dur="indefinite" restart="never" nodeType="tmRoot"/>
+      </p:par>
+    </p:tnLst>
+  </p:timing>
 </p:sld>
 </file>
 
@@ -5652,7 +5875,7 @@
           <a:p>
             <a:r>
               <a:rPr lang="en-US" altLang="zh-TW" dirty="0" smtClean="0"/>
-              <a:t>Adopted Trackers</a:t>
+              <a:t>Ferns</a:t>
             </a:r>
             <a:endParaRPr lang="zh-TW" altLang="en-US" dirty="0"/>
           </a:p>
@@ -5668,84 +5891,63 @@
             <p:ph sz="quarter" idx="1"/>
           </p:nvPr>
         </p:nvSpPr>
-        <p:spPr/>
+        <p:spPr>
+          <a:xfrm>
+            <a:off x="179512" y="1556792"/>
+            <a:ext cx="8784976" cy="4525963"/>
+          </a:xfrm>
+        </p:spPr>
         <p:txBody>
           <a:bodyPr>
             <a:normAutofit/>
           </a:bodyPr>
           <a:lstStyle/>
           <a:p>
-            <a:r>
-              <a:rPr lang="en-US" altLang="zh-TW" dirty="0" err="1" smtClean="0"/>
-              <a:t>PhonySIFT</a:t>
-            </a:r>
-            <a:r>
-              <a:rPr lang="en-US" altLang="zh-TW" dirty="0" smtClean="0"/>
-              <a:t> (Refined from SIFT)</a:t>
-            </a:r>
-          </a:p>
-          <a:p>
-            <a:r>
-              <a:rPr lang="en-US" altLang="zh-TW" dirty="0" err="1" smtClean="0"/>
-              <a:t>PhonyFerns</a:t>
-            </a:r>
-            <a:r>
-              <a:rPr lang="en-US" altLang="zh-TW" dirty="0" smtClean="0"/>
-              <a:t> (Refined from Ferns)</a:t>
-            </a:r>
-          </a:p>
-          <a:p>
-            <a:r>
-              <a:rPr lang="en-US" altLang="zh-TW" dirty="0" smtClean="0"/>
-              <a:t>Patch Tracker (developed by authors)</a:t>
-            </a:r>
-          </a:p>
-          <a:p>
-            <a:r>
-              <a:rPr lang="en-US" altLang="zh-TW" dirty="0" smtClean="0"/>
-              <a:t>Combined Tracking</a:t>
-            </a:r>
-          </a:p>
-          <a:p>
-            <a:pPr lvl="1"/>
-            <a:r>
-              <a:rPr lang="en-US" altLang="zh-TW" dirty="0" err="1" smtClean="0"/>
-              <a:t>PhonySIFT</a:t>
-            </a:r>
-            <a:r>
-              <a:rPr lang="en-US" altLang="zh-TW" dirty="0" smtClean="0"/>
-              <a:t> + </a:t>
-            </a:r>
-            <a:r>
-              <a:rPr lang="en-US" altLang="zh-TW" dirty="0" err="1" smtClean="0"/>
-              <a:t>PatchTracker</a:t>
-            </a:r>
-            <a:endParaRPr lang="en-US" altLang="zh-TW" dirty="0" smtClean="0"/>
-          </a:p>
-          <a:p>
-            <a:pPr lvl="1"/>
-            <a:r>
-              <a:rPr lang="en-US" altLang="zh-TW" dirty="0" err="1" smtClean="0"/>
-              <a:t>PhonyFerns</a:t>
-            </a:r>
-            <a:r>
-              <a:rPr lang="en-US" altLang="zh-TW" dirty="0" smtClean="0"/>
-              <a:t> + </a:t>
-            </a:r>
-            <a:r>
-              <a:rPr lang="en-US" altLang="zh-TW" dirty="0" err="1" smtClean="0"/>
-              <a:t>PatchTracker</a:t>
-            </a:r>
-            <a:endParaRPr lang="en-US" altLang="zh-TW" dirty="0" smtClean="0"/>
-          </a:p>
-          <a:p>
-            <a:endParaRPr lang="en-US" altLang="zh-TW" dirty="0" smtClean="0"/>
-          </a:p>
-          <a:p>
             <a:pPr>
               <a:buNone/>
             </a:pPr>
+            <a:endParaRPr lang="en-US" altLang="zh-TW" sz="1800" dirty="0" smtClean="0"/>
+          </a:p>
+          <a:p>
+            <a:r>
+              <a:rPr lang="en-US" altLang="zh-TW" dirty="0" smtClean="0"/>
+              <a:t>An </a:t>
+            </a:r>
+            <a:r>
+              <a:rPr lang="en-US" altLang="zh-TW" dirty="0" err="1" smtClean="0"/>
+              <a:t>keypoint</a:t>
+            </a:r>
+            <a:r>
+              <a:rPr lang="en-US" altLang="zh-TW" dirty="0" smtClean="0"/>
+              <a:t> tracker using statistical algorithm</a:t>
+            </a:r>
+          </a:p>
+          <a:p>
+            <a:pPr>
+              <a:buNone/>
+            </a:pPr>
+            <a:r>
+              <a:rPr lang="en-US" altLang="zh-TW" dirty="0" smtClean="0"/>
+              <a:t>and can be trained to get higher matching rate</a:t>
+            </a:r>
+          </a:p>
+          <a:p>
+            <a:r>
+              <a:rPr lang="en-US" altLang="zh-TW" dirty="0" smtClean="0"/>
+              <a:t>As good as SIFT, or even better performance</a:t>
+            </a:r>
+          </a:p>
+          <a:p>
             <a:endParaRPr lang="en-US" altLang="zh-TW" dirty="0" smtClean="0"/>
+          </a:p>
+          <a:p>
+            <a:endParaRPr lang="en-US" altLang="zh-TW" dirty="0" smtClean="0"/>
+          </a:p>
+          <a:p>
+            <a:endParaRPr lang="en-US" altLang="zh-TW" dirty="0" smtClean="0"/>
+          </a:p>
+          <a:p>
+            <a:endParaRPr lang="zh-TW" altLang="en-US" dirty="0"/>
           </a:p>
         </p:txBody>
       </p:sp>
@@ -5754,6 +5956,13 @@
   <p:clrMapOvr>
     <a:masterClrMapping/>
   </p:clrMapOvr>
+  <p:timing>
+    <p:tnLst>
+      <p:par>
+        <p:cTn id="1" dur="indefinite" restart="never" nodeType="tmRoot"/>
+      </p:par>
+    </p:tnLst>
+  </p:timing>
 </p:sld>
 </file>
 
@@ -5791,7 +6000,7 @@
           <a:p>
             <a:r>
               <a:rPr lang="en-US" altLang="zh-TW" dirty="0" smtClean="0"/>
-              <a:t>Ferns</a:t>
+              <a:t>Adopted Trackers</a:t>
             </a:r>
             <a:endParaRPr lang="zh-TW" altLang="en-US" dirty="0"/>
           </a:p>
@@ -5807,63 +6016,84 @@
             <p:ph sz="quarter" idx="1"/>
           </p:nvPr>
         </p:nvSpPr>
-        <p:spPr>
-          <a:xfrm>
-            <a:off x="179512" y="1556792"/>
-            <a:ext cx="8784976" cy="4525963"/>
-          </a:xfrm>
-        </p:spPr>
+        <p:spPr/>
         <p:txBody>
           <a:bodyPr>
             <a:normAutofit/>
           </a:bodyPr>
           <a:lstStyle/>
           <a:p>
+            <a:r>
+              <a:rPr lang="en-US" altLang="zh-TW" dirty="0" err="1" smtClean="0"/>
+              <a:t>PhonySIFT</a:t>
+            </a:r>
+            <a:r>
+              <a:rPr lang="en-US" altLang="zh-TW" dirty="0" smtClean="0"/>
+              <a:t> (Refined from SIFT)</a:t>
+            </a:r>
+          </a:p>
+          <a:p>
+            <a:r>
+              <a:rPr lang="en-US" altLang="zh-TW" dirty="0" err="1" smtClean="0"/>
+              <a:t>PhonyFerns</a:t>
+            </a:r>
+            <a:r>
+              <a:rPr lang="en-US" altLang="zh-TW" dirty="0" smtClean="0"/>
+              <a:t> (Refined from Ferns)</a:t>
+            </a:r>
+          </a:p>
+          <a:p>
+            <a:r>
+              <a:rPr lang="en-US" altLang="zh-TW" dirty="0" smtClean="0"/>
+              <a:t>Patch Tracker (developed by authors)</a:t>
+            </a:r>
+          </a:p>
+          <a:p>
+            <a:r>
+              <a:rPr lang="en-US" altLang="zh-TW" dirty="0" smtClean="0"/>
+              <a:t>Combined Tracking</a:t>
+            </a:r>
+          </a:p>
+          <a:p>
+            <a:pPr lvl="1"/>
+            <a:r>
+              <a:rPr lang="en-US" altLang="zh-TW" dirty="0" err="1" smtClean="0"/>
+              <a:t>PhonySIFT</a:t>
+            </a:r>
+            <a:r>
+              <a:rPr lang="en-US" altLang="zh-TW" dirty="0" smtClean="0"/>
+              <a:t> + </a:t>
+            </a:r>
+            <a:r>
+              <a:rPr lang="en-US" altLang="zh-TW" dirty="0" err="1" smtClean="0"/>
+              <a:t>PatchTracker</a:t>
+            </a:r>
+            <a:endParaRPr lang="en-US" altLang="zh-TW" dirty="0" smtClean="0"/>
+          </a:p>
+          <a:p>
+            <a:pPr lvl="1"/>
+            <a:r>
+              <a:rPr lang="en-US" altLang="zh-TW" dirty="0" err="1" smtClean="0"/>
+              <a:t>PhonyFerns</a:t>
+            </a:r>
+            <a:r>
+              <a:rPr lang="en-US" altLang="zh-TW" dirty="0" smtClean="0"/>
+              <a:t> + </a:t>
+            </a:r>
+            <a:r>
+              <a:rPr lang="en-US" altLang="zh-TW" dirty="0" err="1" smtClean="0"/>
+              <a:t>PatchTracker</a:t>
+            </a:r>
+            <a:endParaRPr lang="en-US" altLang="zh-TW" dirty="0" smtClean="0"/>
+          </a:p>
+          <a:p>
+            <a:endParaRPr lang="en-US" altLang="zh-TW" dirty="0" smtClean="0"/>
+          </a:p>
+          <a:p>
             <a:pPr>
               <a:buNone/>
             </a:pPr>
-            <a:endParaRPr lang="en-US" altLang="zh-TW" sz="1800" dirty="0" smtClean="0"/>
-          </a:p>
-          <a:p>
-            <a:r>
-              <a:rPr lang="en-US" altLang="zh-TW" dirty="0" smtClean="0"/>
-              <a:t>An </a:t>
-            </a:r>
-            <a:r>
-              <a:rPr lang="en-US" altLang="zh-TW" dirty="0" err="1" smtClean="0"/>
-              <a:t>keypoint</a:t>
-            </a:r>
-            <a:r>
-              <a:rPr lang="en-US" altLang="zh-TW" dirty="0" smtClean="0"/>
-              <a:t> tracker using statistical algorithm</a:t>
-            </a:r>
-          </a:p>
-          <a:p>
-            <a:pPr>
-              <a:buNone/>
-            </a:pPr>
-            <a:r>
-              <a:rPr lang="en-US" altLang="zh-TW" dirty="0" smtClean="0"/>
-              <a:t>and can be trained to get higher matching rate</a:t>
-            </a:r>
-          </a:p>
-          <a:p>
-            <a:r>
-              <a:rPr lang="en-US" altLang="zh-TW" dirty="0" smtClean="0"/>
-              <a:t>As good as SIFT, or even better performance</a:t>
-            </a:r>
-          </a:p>
-          <a:p>
             <a:endParaRPr lang="en-US" altLang="zh-TW" dirty="0" smtClean="0"/>
-          </a:p>
-          <a:p>
-            <a:endParaRPr lang="en-US" altLang="zh-TW" dirty="0" smtClean="0"/>
-          </a:p>
-          <a:p>
-            <a:endParaRPr lang="en-US" altLang="zh-TW" dirty="0" smtClean="0"/>
-          </a:p>
-          <a:p>
-            <a:endParaRPr lang="zh-TW" altLang="en-US" dirty="0"/>
           </a:p>
         </p:txBody>
       </p:sp>
@@ -5872,6 +6102,13 @@
   <p:clrMapOvr>
     <a:masterClrMapping/>
   </p:clrMapOvr>
+  <p:timing>
+    <p:tnLst>
+      <p:par>
+        <p:cTn id="1" dur="indefinite" restart="never" nodeType="tmRoot"/>
+      </p:par>
+    </p:tnLst>
+  </p:timing>
 </p:sld>
 </file>
 
@@ -5975,6 +6212,13 @@
   <p:clrMapOvr>
     <a:masterClrMapping/>
   </p:clrMapOvr>
+  <p:timing>
+    <p:tnLst>
+      <p:par>
+        <p:cTn id="1" dur="indefinite" restart="never" nodeType="tmRoot"/>
+      </p:par>
+    </p:tnLst>
+  </p:timing>
 </p:sld>
 </file>
 
@@ -6055,14 +6299,11 @@
             <a:pPr lvl="1"/>
             <a:r>
               <a:rPr lang="en-US" altLang="zh-TW" dirty="0" smtClean="0"/>
-              <a:t>Reduces each ferns size</a:t>
-            </a:r>
-          </a:p>
-          <a:p>
-            <a:pPr lvl="1"/>
-            <a:r>
-              <a:rPr lang="en-US" altLang="zh-TW" dirty="0" smtClean="0"/>
-              <a:t>Uses 8-bit size to store probability instead of using 4 bytes float point value</a:t>
+              <a:t>Uses </a:t>
+            </a:r>
+            <a:r>
+              <a:rPr lang="en-US" altLang="zh-TW" dirty="0" smtClean="0"/>
+              <a:t>8-bit size to store probability instead of using 4 bytes float point value</a:t>
             </a:r>
           </a:p>
           <a:p>
@@ -6089,6 +6330,13 @@
   <p:clrMapOvr>
     <a:masterClrMapping/>
   </p:clrMapOvr>
+  <p:timing>
+    <p:tnLst>
+      <p:par>
+        <p:cTn id="1" dur="indefinite" restart="never" nodeType="tmRoot"/>
+      </p:par>
+    </p:tnLst>
+  </p:timing>
 </p:sld>
 </file>
 
@@ -6160,14 +6408,13 @@
           <a:p>
             <a:r>
               <a:rPr lang="en-US" altLang="zh-TW" dirty="0" smtClean="0"/>
-              <a:t>New feature positions can be successfully predicted by old one with defined range search.</a:t>
-            </a:r>
-          </a:p>
-          <a:p>
-            <a:r>
-              <a:rPr lang="en-US" altLang="zh-TW" dirty="0" smtClean="0"/>
-              <a:t>Speed is less dependency with the camera resolution</a:t>
-            </a:r>
+              <a:t>New feature positions can be successfully predicted by old </a:t>
+            </a:r>
+            <a:r>
+              <a:rPr lang="en-US" altLang="zh-TW" dirty="0" smtClean="0"/>
+              <a:t>one.</a:t>
+            </a:r>
+            <a:endParaRPr lang="en-US" altLang="zh-TW" dirty="0" smtClean="0"/>
           </a:p>
           <a:p>
             <a:endParaRPr lang="zh-TW" altLang="en-US" dirty="0"/>
@@ -6179,6 +6426,13 @@
   <p:clrMapOvr>
     <a:masterClrMapping/>
   </p:clrMapOvr>
+  <p:timing>
+    <p:tnLst>
+      <p:par>
+        <p:cTn id="1" dur="indefinite" restart="never" nodeType="tmRoot"/>
+      </p:par>
+    </p:tnLst>
+  </p:timing>
 </p:sld>
 </file>
 
